--- a/Lecture 6- Stack/Stack.pptx
+++ b/Lecture 6- Stack/Stack.pptx
@@ -37246,7 +37246,7 @@
                                       <p:cBhvr>
                                         <p:cTn id="6" dur="2000" fill="hold"/>
                                         <p:tgtEl>
-                                          <p:spTgt spid="14"/>
+                                          <p:spTgt spid="15"/>
                                         </p:tgtEl>
                                         <p:attrNameLst>
                                           <p:attrName>ppt_x</p:attrName>
@@ -37276,7 +37276,7 @@
                                       <p:cBhvr>
                                         <p:cTn id="9" dur="2000" fill="hold"/>
                                         <p:tgtEl>
-                                          <p:spTgt spid="15"/>
+                                          <p:spTgt spid="14"/>
                                         </p:tgtEl>
                                         <p:attrNameLst>
                                           <p:attrName>ppt_x</p:attrName>
